--- a/00_сompilation_process/00_сompilation_process.pptx
+++ b/00_сompilation_process/00_сompilation_process.pptx
@@ -249,7 +249,7 @@
                 <a:latin typeface="Intel Clear"/>
               </a:rPr>
               <a:pPr/>
-              <a:t>28-Apr-20</a:t>
+              <a:t>30-Jun-20</a:t>
             </a:fld>
             <a:endParaRPr lang="en-US" dirty="0">
               <a:latin typeface="Intel Clear"/>
@@ -429,7 +429,7 @@
             <a:fld id="{ED7FC5FE-6F0D-D34A-8EE6-C95B4F5F4DC8}" type="datetimeFigureOut">
               <a:rPr lang="en-US" smtClean="0"/>
               <a:pPr/>
-              <a:t>28-Apr-20</a:t>
+              <a:t>30-Jun-20</a:t>
             </a:fld>
             <a:endParaRPr lang="en-US" dirty="0"/>
           </a:p>
@@ -1224,7 +1224,7 @@
             <a:fld id="{B61BEF0D-F0BB-DE4B-95CE-6DB70DBA9567}" type="datetimeFigureOut">
               <a:rPr lang="en-US" smtClean="0"/>
               <a:pPr/>
-              <a:t>28-Apr-20</a:t>
+              <a:t>30-Jun-20</a:t>
             </a:fld>
             <a:endParaRPr lang="en-US" dirty="0"/>
           </a:p>
@@ -1424,7 +1424,7 @@
           <a:p>
             <a:fld id="{55C6B4A9-1611-4792-9094-5F34BCA07E0B}" type="datetimeFigureOut">
               <a:rPr lang="en-US" smtClean="0"/>
-              <a:t>28-Apr-20</a:t>
+              <a:t>30-Jun-20</a:t>
             </a:fld>
             <a:endParaRPr lang="en-US" dirty="0"/>
           </a:p>
@@ -1635,7 +1635,7 @@
             <a:fld id="{B61BEF0D-F0BB-DE4B-95CE-6DB70DBA9567}" type="datetimeFigureOut">
               <a:rPr lang="en-US" smtClean="0"/>
               <a:pPr/>
-              <a:t>28-Apr-20</a:t>
+              <a:t>30-Jun-20</a:t>
             </a:fld>
             <a:endParaRPr lang="en-US" dirty="0"/>
           </a:p>
@@ -2027,7 +2027,7 @@
           <a:noFill/>
           <a:extLst>
             <a:ext uri="{909E8E84-426E-40dd-AFC4-6F175D3DCCD1}">
-              <a14:hiddenFill xmlns:a14="http://schemas.microsoft.com/office/drawing/2010/main" xmlns="">
+              <a14:hiddenFill xmlns="" xmlns:a14="http://schemas.microsoft.com/office/drawing/2010/main">
                 <a:solidFill>
                   <a:srgbClr val="FFFFFF"/>
                 </a:solidFill>
@@ -4052,7 +4052,7 @@
             <a:fld id="{B61BEF0D-F0BB-DE4B-95CE-6DB70DBA9567}" type="datetimeFigureOut">
               <a:rPr lang="en-US" smtClean="0"/>
               <a:pPr/>
-              <a:t>28-Apr-20</a:t>
+              <a:t>30-Jun-20</a:t>
             </a:fld>
             <a:endParaRPr lang="en-US" dirty="0"/>
           </a:p>
@@ -5255,7 +5255,7 @@
             <a:fld id="{B61BEF0D-F0BB-DE4B-95CE-6DB70DBA9567}" type="datetimeFigureOut">
               <a:rPr lang="en-US" smtClean="0"/>
               <a:pPr/>
-              <a:t>28-Apr-20</a:t>
+              <a:t>30-Jun-20</a:t>
             </a:fld>
             <a:endParaRPr lang="en-US" dirty="0"/>
           </a:p>
@@ -5522,7 +5522,7 @@
           <a:p>
             <a:fld id="{EB712588-04B1-427B-82EE-E8DB90309F08}" type="datetimeFigureOut">
               <a:rPr lang="en-US" smtClean="0"/>
-              <a:t>28-Apr-20</a:t>
+              <a:t>30-Jun-20</a:t>
             </a:fld>
             <a:endParaRPr lang="en-US" dirty="0"/>
           </a:p>
@@ -5937,7 +5937,7 @@
             <a:fld id="{B61BEF0D-F0BB-DE4B-95CE-6DB70DBA9567}" type="datetimeFigureOut">
               <a:rPr lang="en-US" smtClean="0"/>
               <a:pPr/>
-              <a:t>28-Apr-20</a:t>
+              <a:t>30-Jun-20</a:t>
             </a:fld>
             <a:endParaRPr lang="en-US" dirty="0"/>
           </a:p>
@@ -6081,7 +6081,7 @@
             <a:fld id="{B61BEF0D-F0BB-DE4B-95CE-6DB70DBA9567}" type="datetimeFigureOut">
               <a:rPr lang="en-US" smtClean="0"/>
               <a:pPr/>
-              <a:t>28-Apr-20</a:t>
+              <a:t>30-Jun-20</a:t>
             </a:fld>
             <a:endParaRPr lang="en-US" dirty="0"/>
           </a:p>
@@ -6208,7 +6208,7 @@
             <a:fld id="{B61BEF0D-F0BB-DE4B-95CE-6DB70DBA9567}" type="datetimeFigureOut">
               <a:rPr lang="en-US" smtClean="0"/>
               <a:pPr/>
-              <a:t>28-Apr-20</a:t>
+              <a:t>30-Jun-20</a:t>
             </a:fld>
             <a:endParaRPr lang="en-US" dirty="0"/>
           </a:p>
@@ -6532,7 +6532,7 @@
           <a:p>
             <a:fld id="{42A54C80-263E-416B-A8E0-580EDEADCBDC}" type="datetimeFigureOut">
               <a:rPr lang="en-US" smtClean="0"/>
-              <a:t>28-Apr-20</a:t>
+              <a:t>30-Jun-20</a:t>
             </a:fld>
             <a:endParaRPr lang="en-US" dirty="0"/>
           </a:p>
@@ -6823,7 +6823,7 @@
             <a:fld id="{B61BEF0D-F0BB-DE4B-95CE-6DB70DBA9567}" type="datetimeFigureOut">
               <a:rPr lang="en-US" smtClean="0"/>
               <a:pPr/>
-              <a:t>28-Apr-20</a:t>
+              <a:t>30-Jun-20</a:t>
             </a:fld>
             <a:endParaRPr lang="en-US" dirty="0"/>
           </a:p>
@@ -7067,7 +7067,7 @@
             <a:fld id="{B61BEF0D-F0BB-DE4B-95CE-6DB70DBA9567}" type="datetimeFigureOut">
               <a:rPr lang="en-US" smtClean="0"/>
               <a:pPr/>
-              <a:t>28-Apr-20</a:t>
+              <a:t>30-Jun-20</a:t>
             </a:fld>
             <a:endParaRPr lang="en-US" dirty="0"/>
           </a:p>
@@ -8195,13 +8195,12 @@
           <a:bodyPr/>
           <a:lstStyle/>
           <a:p>
-            <a:r>
-              <a:rPr lang="en-US" sz="1400" dirty="0"/>
-              <a:t>Work with </a:t>
-            </a:r>
+            <a:pPr marL="0" indent="0">
+              <a:buNone/>
+            </a:pPr>
             <a:r>
               <a:rPr lang="en-US" sz="1400" b="1" dirty="0"/>
-              <a:t>preprocessors directives:</a:t>
+              <a:t>Preprocessor behavior:</a:t>
             </a:r>
             <a:endParaRPr lang="ru-RU" sz="1400" b="1" dirty="0"/>
           </a:p>
@@ -8250,15 +8249,26 @@
             <a:pPr marL="285750" indent="-285750"/>
             <a:r>
               <a:rPr lang="en-US" sz="1400" b="1" dirty="0"/>
-              <a:t>#include &lt;header&gt; </a:t>
+              <a:t>Includes </a:t>
+            </a:r>
+            <a:r>
+              <a:rPr lang="en-US" sz="1400" dirty="0">
+                <a:highlight>
+                  <a:srgbClr val="FFFF00"/>
+                </a:highlight>
+              </a:rPr>
+              <a:t>header files included in the program</a:t>
             </a:r>
             <a:r>
               <a:rPr lang="en-US" sz="1400" dirty="0"/>
-              <a:t>are included in the program, recursively go through the preprocessing stage and are substituted into the final file.</a:t>
+              <a:t>, recursively go through the preprocessing stage and are substituted into the final file.</a:t>
             </a:r>
             <a:endParaRPr lang="ru-RU" sz="500" dirty="0"/>
           </a:p>
           <a:p>
+            <a:pPr marL="0" indent="0">
+              <a:buNone/>
+            </a:pPr>
             <a:r>
               <a:rPr lang="en-US" sz="1400" dirty="0"/>
               <a:t>Command example:</a:t>
@@ -8283,7 +8293,7 @@
             </a:r>
             <a:r>
               <a:rPr lang="en-US" sz="1400" dirty="0"/>
-              <a:t>preprocesses the given file without compilation.</a:t>
+              <a:t>run preprocessor for a given file without compilation.</a:t>
             </a:r>
           </a:p>
           <a:p>

--- a/00_сompilation_process/00_сompilation_process.pptx
+++ b/00_сompilation_process/00_сompilation_process.pptx
@@ -5,10 +5,10 @@
     <p:sldMasterId id="2147483704" r:id="rId1"/>
   </p:sldMasterIdLst>
   <p:notesMasterIdLst>
-    <p:notesMasterId r:id="rId11"/>
+    <p:notesMasterId r:id="rId8"/>
   </p:notesMasterIdLst>
   <p:handoutMasterIdLst>
-    <p:handoutMasterId r:id="rId12"/>
+    <p:handoutMasterId r:id="rId9"/>
   </p:handoutMasterIdLst>
   <p:sldIdLst>
     <p:sldId id="297" r:id="rId2"/>
@@ -17,9 +17,6 @@
     <p:sldId id="313" r:id="rId5"/>
     <p:sldId id="302" r:id="rId6"/>
     <p:sldId id="304" r:id="rId7"/>
-    <p:sldId id="305" r:id="rId8"/>
-    <p:sldId id="309" r:id="rId9"/>
-    <p:sldId id="310" r:id="rId10"/>
   </p:sldIdLst>
   <p:sldSz cx="9144000" cy="5143500" type="screen16x9"/>
   <p:notesSz cx="6858000" cy="9144000"/>
@@ -249,7 +246,7 @@
                 <a:latin typeface="Intel Clear"/>
               </a:rPr>
               <a:pPr/>
-              <a:t>30-Jun-20</a:t>
+              <a:t>7/3/2020</a:t>
             </a:fld>
             <a:endParaRPr lang="en-US" dirty="0">
               <a:latin typeface="Intel Clear"/>
@@ -429,7 +426,7 @@
             <a:fld id="{ED7FC5FE-6F0D-D34A-8EE6-C95B4F5F4DC8}" type="datetimeFigureOut">
               <a:rPr lang="en-US" smtClean="0"/>
               <a:pPr/>
-              <a:t>30-Jun-20</a:t>
+              <a:t>7/3/2020</a:t>
             </a:fld>
             <a:endParaRPr lang="en-US" dirty="0"/>
           </a:p>
@@ -1224,7 +1221,7 @@
             <a:fld id="{B61BEF0D-F0BB-DE4B-95CE-6DB70DBA9567}" type="datetimeFigureOut">
               <a:rPr lang="en-US" smtClean="0"/>
               <a:pPr/>
-              <a:t>30-Jun-20</a:t>
+              <a:t>7/3/2020</a:t>
             </a:fld>
             <a:endParaRPr lang="en-US" dirty="0"/>
           </a:p>
@@ -1424,7 +1421,7 @@
           <a:p>
             <a:fld id="{55C6B4A9-1611-4792-9094-5F34BCA07E0B}" type="datetimeFigureOut">
               <a:rPr lang="en-US" smtClean="0"/>
-              <a:t>30-Jun-20</a:t>
+              <a:t>7/3/2020</a:t>
             </a:fld>
             <a:endParaRPr lang="en-US" dirty="0"/>
           </a:p>
@@ -1635,7 +1632,7 @@
             <a:fld id="{B61BEF0D-F0BB-DE4B-95CE-6DB70DBA9567}" type="datetimeFigureOut">
               <a:rPr lang="en-US" smtClean="0"/>
               <a:pPr/>
-              <a:t>30-Jun-20</a:t>
+              <a:t>7/3/2020</a:t>
             </a:fld>
             <a:endParaRPr lang="en-US" dirty="0"/>
           </a:p>
@@ -2027,7 +2024,7 @@
           <a:noFill/>
           <a:extLst>
             <a:ext uri="{909E8E84-426E-40dd-AFC4-6F175D3DCCD1}">
-              <a14:hiddenFill xmlns="" xmlns:a14="http://schemas.microsoft.com/office/drawing/2010/main">
+              <a14:hiddenFill xmlns:a14="http://schemas.microsoft.com/office/drawing/2010/main" xmlns="">
                 <a:solidFill>
                   <a:srgbClr val="FFFFFF"/>
                 </a:solidFill>
@@ -4052,7 +4049,7 @@
             <a:fld id="{B61BEF0D-F0BB-DE4B-95CE-6DB70DBA9567}" type="datetimeFigureOut">
               <a:rPr lang="en-US" smtClean="0"/>
               <a:pPr/>
-              <a:t>30-Jun-20</a:t>
+              <a:t>7/3/2020</a:t>
             </a:fld>
             <a:endParaRPr lang="en-US" dirty="0"/>
           </a:p>
@@ -5255,7 +5252,7 @@
             <a:fld id="{B61BEF0D-F0BB-DE4B-95CE-6DB70DBA9567}" type="datetimeFigureOut">
               <a:rPr lang="en-US" smtClean="0"/>
               <a:pPr/>
-              <a:t>30-Jun-20</a:t>
+              <a:t>7/3/2020</a:t>
             </a:fld>
             <a:endParaRPr lang="en-US" dirty="0"/>
           </a:p>
@@ -5522,7 +5519,7 @@
           <a:p>
             <a:fld id="{EB712588-04B1-427B-82EE-E8DB90309F08}" type="datetimeFigureOut">
               <a:rPr lang="en-US" smtClean="0"/>
-              <a:t>30-Jun-20</a:t>
+              <a:t>7/3/2020</a:t>
             </a:fld>
             <a:endParaRPr lang="en-US" dirty="0"/>
           </a:p>
@@ -5937,7 +5934,7 @@
             <a:fld id="{B61BEF0D-F0BB-DE4B-95CE-6DB70DBA9567}" type="datetimeFigureOut">
               <a:rPr lang="en-US" smtClean="0"/>
               <a:pPr/>
-              <a:t>30-Jun-20</a:t>
+              <a:t>7/3/2020</a:t>
             </a:fld>
             <a:endParaRPr lang="en-US" dirty="0"/>
           </a:p>
@@ -6081,7 +6078,7 @@
             <a:fld id="{B61BEF0D-F0BB-DE4B-95CE-6DB70DBA9567}" type="datetimeFigureOut">
               <a:rPr lang="en-US" smtClean="0"/>
               <a:pPr/>
-              <a:t>30-Jun-20</a:t>
+              <a:t>7/3/2020</a:t>
             </a:fld>
             <a:endParaRPr lang="en-US" dirty="0"/>
           </a:p>
@@ -6208,7 +6205,7 @@
             <a:fld id="{B61BEF0D-F0BB-DE4B-95CE-6DB70DBA9567}" type="datetimeFigureOut">
               <a:rPr lang="en-US" smtClean="0"/>
               <a:pPr/>
-              <a:t>30-Jun-20</a:t>
+              <a:t>7/3/2020</a:t>
             </a:fld>
             <a:endParaRPr lang="en-US" dirty="0"/>
           </a:p>
@@ -6532,7 +6529,7 @@
           <a:p>
             <a:fld id="{42A54C80-263E-416B-A8E0-580EDEADCBDC}" type="datetimeFigureOut">
               <a:rPr lang="en-US" smtClean="0"/>
-              <a:t>30-Jun-20</a:t>
+              <a:t>7/3/2020</a:t>
             </a:fld>
             <a:endParaRPr lang="en-US" dirty="0"/>
           </a:p>
@@ -6823,7 +6820,7 @@
             <a:fld id="{B61BEF0D-F0BB-DE4B-95CE-6DB70DBA9567}" type="datetimeFigureOut">
               <a:rPr lang="en-US" smtClean="0"/>
               <a:pPr/>
-              <a:t>30-Jun-20</a:t>
+              <a:t>7/3/2020</a:t>
             </a:fld>
             <a:endParaRPr lang="en-US" dirty="0"/>
           </a:p>
@@ -7067,7 +7064,7 @@
             <a:fld id="{B61BEF0D-F0BB-DE4B-95CE-6DB70DBA9567}" type="datetimeFigureOut">
               <a:rPr lang="en-US" smtClean="0"/>
               <a:pPr/>
-              <a:t>30-Jun-20</a:t>
+              <a:t>7/3/2020</a:t>
             </a:fld>
             <a:endParaRPr lang="en-US" dirty="0"/>
           </a:p>
@@ -7926,7 +7923,7 @@
             </a:r>
             <a:r>
               <a:rPr lang="en-US" dirty="0"/>
-              <a:t> must be compiled into an executable, dynamic or static library.</a:t>
+              <a:t> must be compiled. Compilation result is typically executable or library(dynamic, static).</a:t>
             </a:r>
             <a:endParaRPr lang="ru-RU" dirty="0"/>
           </a:p>
@@ -8056,7 +8053,7 @@
             </a:pPr>
             <a:r>
               <a:rPr lang="en-US" sz="2000" dirty="0"/>
-              <a:t>Preprocessor</a:t>
+              <a:t>Preprocessing</a:t>
             </a:r>
           </a:p>
           <a:p>
@@ -8074,7 +8071,7 @@
             </a:pPr>
             <a:r>
               <a:rPr lang="en-US" sz="2000" dirty="0"/>
-              <a:t>Linking</a:t>
+              <a:t>Linkage</a:t>
             </a:r>
             <a:endParaRPr lang="ru-RU" sz="2000" dirty="0"/>
           </a:p>
@@ -8252,16 +8249,8 @@
               <a:t>Includes </a:t>
             </a:r>
             <a:r>
-              <a:rPr lang="en-US" sz="1400" dirty="0">
-                <a:highlight>
-                  <a:srgbClr val="FFFF00"/>
-                </a:highlight>
-              </a:rPr>
-              <a:t>header files included in the program</a:t>
-            </a:r>
-            <a:r>
               <a:rPr lang="en-US" sz="1400" dirty="0"/>
-              <a:t>, recursively go through the preprocessing stage and are substituted into the final file.</a:t>
+              <a:t>header files content.</a:t>
             </a:r>
             <a:endParaRPr lang="ru-RU" sz="500" dirty="0"/>
           </a:p>
@@ -8326,7 +8315,7 @@
         </p:nvSpPr>
         <p:spPr>
           <a:xfrm>
-            <a:off x="408005" y="2647553"/>
+            <a:off x="714771" y="2429077"/>
             <a:ext cx="5834941" cy="285345"/>
           </a:xfrm>
           <a:prstGeom prst="roundRect">
@@ -8490,7 +8479,7 @@
           <a:p>
             <a:r>
               <a:rPr lang="en-US" sz="1800" dirty="0"/>
-              <a:t>At this step, the compiler performs its main task - </a:t>
+              <a:t>At this step the compiler performs its main task - </a:t>
             </a:r>
             <a:r>
               <a:rPr lang="en-US" sz="1800" b="1" dirty="0"/>
@@ -8498,7 +8487,15 @@
             </a:r>
             <a:r>
               <a:rPr lang="en-US" sz="1800" dirty="0"/>
-              <a:t>, that is, converts the code received at the previous step without directives into assembler code.</a:t>
+              <a:t>, that is, converts the</a:t>
+            </a:r>
+            <a:r>
+              <a:rPr lang="ru-RU" sz="1800" dirty="0"/>
+              <a:t> </a:t>
+            </a:r>
+            <a:r>
+              <a:rPr lang="en-US" sz="1800" dirty="0"/>
+              <a:t>C++ code into lower level code (e.g. machine or assembler code).</a:t>
             </a:r>
           </a:p>
           <a:p>
@@ -8623,14 +8620,17 @@
         </p:spPr>
         <p:txBody>
           <a:bodyPr>
-            <a:normAutofit/>
+            <a:normAutofit fontScale="90000"/>
           </a:bodyPr>
           <a:lstStyle/>
           <a:p>
             <a:r>
-              <a:rPr lang="en-US" sz="3200"/>
-              <a:t>Linking</a:t>
-            </a:r>
+              <a:rPr lang="en-US" sz="3200" dirty="0"/>
+              <a:t>Linkage</a:t>
+            </a:r>
+            <a:br>
+              <a:rPr lang="en-US" sz="3200" dirty="0"/>
+            </a:br>
             <a:endParaRPr lang="en-US" sz="3200" dirty="0"/>
           </a:p>
         </p:txBody>
@@ -8663,7 +8663,7 @@
             </a:r>
             <a:r>
               <a:rPr lang="en-US" sz="1800" dirty="0"/>
-              <a:t>links all the object files and the static library into a single executable file</a:t>
+              <a:t>links all the object files and the static library into a single executable file or a library</a:t>
             </a:r>
             <a:r>
               <a:rPr lang="en-US" sz="1800" b="1" dirty="0"/>
@@ -8677,7 +8677,7 @@
             </a:r>
             <a:r>
               <a:rPr lang="en-US" sz="1800" dirty="0"/>
-              <a:t>is a data structure created by the compiler itself and stored in the object files themselves. The symbol table stores the names of variables, functions, classes, objects.</a:t>
+              <a:t>is a data structure created by the compiler itself and stored in the object files themselves. The symbol table stores the names of variables and functions.</a:t>
             </a:r>
             <a:endParaRPr lang="ru-RU" sz="1800" dirty="0"/>
           </a:p>
@@ -8687,614 +8687,6 @@
     <p:extLst>
       <p:ext uri="{BB962C8B-B14F-4D97-AF65-F5344CB8AC3E}">
         <p14:creationId xmlns:p14="http://schemas.microsoft.com/office/powerpoint/2010/main" val="619949459"/>
-      </p:ext>
-    </p:extLst>
-  </p:cSld>
-  <p:clrMapOvr>
-    <a:masterClrMapping/>
-  </p:clrMapOvr>
-  <mc:AlternateContent xmlns:mc="http://schemas.openxmlformats.org/markup-compatibility/2006" xmlns:p14="http://schemas.microsoft.com/office/powerpoint/2010/main">
-    <mc:Choice Requires="p14">
-      <p:transition spd="med" p14:dur="700">
-        <p:fade/>
-      </p:transition>
-    </mc:Choice>
-    <mc:Fallback xmlns="">
-      <p:transition spd="med">
-        <p:fade/>
-      </p:transition>
-    </mc:Fallback>
-  </mc:AlternateContent>
-</p:sld>
-</file>
-
-<file path=ppt/slides/slide7.xml><?xml version="1.0" encoding="utf-8"?>
-<p:sld xmlns:a="http://schemas.openxmlformats.org/drawingml/2006/main" xmlns:r="http://schemas.openxmlformats.org/officeDocument/2006/relationships" xmlns:p="http://schemas.openxmlformats.org/presentationml/2006/main">
-  <p:cSld>
-    <p:spTree>
-      <p:nvGrpSpPr>
-        <p:cNvPr id="1" name=""/>
-        <p:cNvGrpSpPr/>
-        <p:nvPr/>
-      </p:nvGrpSpPr>
-      <p:grpSpPr>
-        <a:xfrm>
-          <a:off x="0" y="0"/>
-          <a:ext cx="0" cy="0"/>
-          <a:chOff x="0" y="0"/>
-          <a:chExt cx="0" cy="0"/>
-        </a:xfrm>
-      </p:grpSpPr>
-      <p:sp>
-        <p:nvSpPr>
-          <p:cNvPr id="4" name="Slide Number Placeholder 3"/>
-          <p:cNvSpPr>
-            <a:spLocks noGrp="1"/>
-          </p:cNvSpPr>
-          <p:nvPr>
-            <p:ph type="sldNum" sz="quarter" idx="12"/>
-          </p:nvPr>
-        </p:nvSpPr>
-        <p:spPr/>
-        <p:txBody>
-          <a:bodyPr/>
-          <a:lstStyle/>
-          <a:p>
-            <a:fld id="{EE2556C5-CE8C-6547-B838-EA80C61A4AF7}" type="slidenum">
-              <a:rPr lang="en-US" smtClean="0"/>
-              <a:pPr/>
-              <a:t>7</a:t>
-            </a:fld>
-            <a:endParaRPr lang="en-US" dirty="0"/>
-          </a:p>
-        </p:txBody>
-      </p:sp>
-      <p:sp>
-        <p:nvSpPr>
-          <p:cNvPr id="2" name="Title 1"/>
-          <p:cNvSpPr>
-            <a:spLocks noGrp="1"/>
-          </p:cNvSpPr>
-          <p:nvPr>
-            <p:ph type="title"/>
-          </p:nvPr>
-        </p:nvSpPr>
-        <p:spPr>
-          <a:xfrm>
-            <a:off x="1216959" y="638504"/>
-            <a:ext cx="6071540" cy="3866492"/>
-          </a:xfrm>
-        </p:spPr>
-        <p:txBody>
-          <a:bodyPr>
-            <a:normAutofit/>
-          </a:bodyPr>
-          <a:lstStyle/>
-          <a:p>
-            <a:pPr algn="ctr"/>
-            <a:r>
-              <a:rPr lang="en-US" sz="4400" dirty="0"/>
-              <a:t>What is the difference between a definition and a declaration? </a:t>
-            </a:r>
-            <a:br>
-              <a:rPr lang="ru-RU" sz="4400" dirty="0"/>
-            </a:br>
-            <a:r>
-              <a:rPr lang="en-US" sz="4400" dirty="0"/>
-              <a:t>Let's see in the code</a:t>
-            </a:r>
-          </a:p>
-        </p:txBody>
-      </p:sp>
-    </p:spTree>
-    <p:extLst>
-      <p:ext uri="{BB962C8B-B14F-4D97-AF65-F5344CB8AC3E}">
-        <p14:creationId xmlns:p14="http://schemas.microsoft.com/office/powerpoint/2010/main" val="1461511970"/>
-      </p:ext>
-    </p:extLst>
-  </p:cSld>
-  <p:clrMapOvr>
-    <a:masterClrMapping/>
-  </p:clrMapOvr>
-  <mc:AlternateContent xmlns:mc="http://schemas.openxmlformats.org/markup-compatibility/2006" xmlns:p14="http://schemas.microsoft.com/office/powerpoint/2010/main">
-    <mc:Choice Requires="p14">
-      <p:transition spd="med" p14:dur="700">
-        <p:fade/>
-      </p:transition>
-    </mc:Choice>
-    <mc:Fallback xmlns="">
-      <p:transition spd="med">
-        <p:fade/>
-      </p:transition>
-    </mc:Fallback>
-  </mc:AlternateContent>
-</p:sld>
-</file>
-
-<file path=ppt/slides/slide8.xml><?xml version="1.0" encoding="utf-8"?>
-<p:sld xmlns:a="http://schemas.openxmlformats.org/drawingml/2006/main" xmlns:r="http://schemas.openxmlformats.org/officeDocument/2006/relationships" xmlns:p="http://schemas.openxmlformats.org/presentationml/2006/main">
-  <p:cSld>
-    <p:spTree>
-      <p:nvGrpSpPr>
-        <p:cNvPr id="1" name=""/>
-        <p:cNvGrpSpPr/>
-        <p:nvPr/>
-      </p:nvGrpSpPr>
-      <p:grpSpPr>
-        <a:xfrm>
-          <a:off x="0" y="0"/>
-          <a:ext cx="0" cy="0"/>
-          <a:chOff x="0" y="0"/>
-          <a:chExt cx="0" cy="0"/>
-        </a:xfrm>
-      </p:grpSpPr>
-      <p:sp>
-        <p:nvSpPr>
-          <p:cNvPr id="4" name="Slide Number Placeholder 3"/>
-          <p:cNvSpPr>
-            <a:spLocks noGrp="1"/>
-          </p:cNvSpPr>
-          <p:nvPr>
-            <p:ph type="sldNum" sz="quarter" idx="12"/>
-          </p:nvPr>
-        </p:nvSpPr>
-        <p:spPr/>
-        <p:txBody>
-          <a:bodyPr/>
-          <a:lstStyle/>
-          <a:p>
-            <a:fld id="{EE2556C5-CE8C-6547-B838-EA80C61A4AF7}" type="slidenum">
-              <a:rPr lang="en-US" smtClean="0"/>
-              <a:pPr/>
-              <a:t>8</a:t>
-            </a:fld>
-            <a:endParaRPr lang="en-US" dirty="0"/>
-          </a:p>
-        </p:txBody>
-      </p:sp>
-      <p:sp>
-        <p:nvSpPr>
-          <p:cNvPr id="2" name="Title 1"/>
-          <p:cNvSpPr>
-            <a:spLocks noGrp="1"/>
-          </p:cNvSpPr>
-          <p:nvPr>
-            <p:ph type="title"/>
-          </p:nvPr>
-        </p:nvSpPr>
-        <p:spPr>
-          <a:xfrm>
-            <a:off x="170268" y="133606"/>
-            <a:ext cx="8229600" cy="579756"/>
-          </a:xfrm>
-        </p:spPr>
-        <p:txBody>
-          <a:bodyPr>
-            <a:normAutofit/>
-          </a:bodyPr>
-          <a:lstStyle/>
-          <a:p>
-            <a:r>
-              <a:rPr lang="en-US" sz="3200" i="1" dirty="0"/>
-              <a:t>More about definition</a:t>
-            </a:r>
-            <a:endParaRPr lang="en-US" sz="3200" dirty="0"/>
-          </a:p>
-        </p:txBody>
-      </p:sp>
-      <p:sp>
-        <p:nvSpPr>
-          <p:cNvPr id="8" name="Content Placeholder 2"/>
-          <p:cNvSpPr>
-            <a:spLocks noGrp="1"/>
-          </p:cNvSpPr>
-          <p:nvPr>
-            <p:ph sz="quarter" idx="13"/>
-          </p:nvPr>
-        </p:nvSpPr>
-        <p:spPr>
-          <a:xfrm>
-            <a:off x="306455" y="713363"/>
-            <a:ext cx="8228012" cy="3852152"/>
-          </a:xfrm>
-        </p:spPr>
-        <p:txBody>
-          <a:bodyPr>
-            <a:normAutofit/>
-          </a:bodyPr>
-          <a:lstStyle/>
-          <a:p>
-            <a:pPr marL="0" indent="0">
-              <a:buNone/>
-            </a:pPr>
-            <a:r>
-              <a:rPr lang="en-US" dirty="0"/>
-              <a:t>There are two kinds of definitions for variables:</a:t>
-            </a:r>
-            <a:endParaRPr lang="ru-RU" dirty="0"/>
-          </a:p>
-          <a:p>
-            <a:r>
-              <a:rPr lang="en-US" i="1" dirty="0"/>
-              <a:t>global variables</a:t>
-            </a:r>
-            <a:endParaRPr lang="en-US" dirty="0"/>
-          </a:p>
-          <a:p>
-            <a:pPr marL="511175" lvl="1" indent="-285750"/>
-            <a:r>
-              <a:rPr lang="en-US" dirty="0"/>
-              <a:t>exist throughout the entire life cycle of the program (“static allocation”).</a:t>
-            </a:r>
-            <a:endParaRPr lang="ru-RU" dirty="0"/>
-          </a:p>
-          <a:p>
-            <a:pPr marL="511175" lvl="1" indent="-285750"/>
-            <a:r>
-              <a:rPr lang="en-US" dirty="0"/>
-              <a:t>available in various functions.</a:t>
-            </a:r>
-            <a:br>
-              <a:rPr lang="ru-RU" dirty="0"/>
-            </a:br>
-            <a:endParaRPr lang="ru-RU" dirty="0"/>
-          </a:p>
-          <a:p>
-            <a:pPr marL="285750" indent="-285750">
-              <a:buFont typeface="Arial" panose="020B0604020202020204" pitchFamily="34" charset="0"/>
-              <a:buChar char="•"/>
-            </a:pPr>
-            <a:r>
-              <a:rPr lang="en-US" i="1" dirty="0"/>
-              <a:t>local variables</a:t>
-            </a:r>
-            <a:endParaRPr lang="en-US" dirty="0"/>
-          </a:p>
-          <a:p>
-            <a:pPr marL="511175" lvl="1" indent="-285750"/>
-            <a:r>
-              <a:rPr lang="en-US" dirty="0"/>
-              <a:t>exist only within the code block ("local location").</a:t>
-            </a:r>
-          </a:p>
-          <a:p>
-            <a:pPr marL="511175" lvl="1" indent="-285750"/>
-            <a:r>
-              <a:rPr lang="en-US" dirty="0"/>
-              <a:t>available only within this code block.</a:t>
-            </a:r>
-            <a:br>
-              <a:rPr lang="ru-RU" sz="1400" dirty="0"/>
-            </a:br>
-            <a:endParaRPr lang="ru-RU" sz="1400" dirty="0"/>
-          </a:p>
-        </p:txBody>
-      </p:sp>
-    </p:spTree>
-    <p:extLst>
-      <p:ext uri="{BB962C8B-B14F-4D97-AF65-F5344CB8AC3E}">
-        <p14:creationId xmlns:p14="http://schemas.microsoft.com/office/powerpoint/2010/main" val="3119014715"/>
-      </p:ext>
-    </p:extLst>
-  </p:cSld>
-  <p:clrMapOvr>
-    <a:masterClrMapping/>
-  </p:clrMapOvr>
-  <mc:AlternateContent xmlns:mc="http://schemas.openxmlformats.org/markup-compatibility/2006" xmlns:p14="http://schemas.microsoft.com/office/powerpoint/2010/main">
-    <mc:Choice Requires="p14">
-      <p:transition spd="med" p14:dur="700">
-        <p:fade/>
-      </p:transition>
-    </mc:Choice>
-    <mc:Fallback xmlns="">
-      <p:transition spd="med">
-        <p:fade/>
-      </p:transition>
-    </mc:Fallback>
-  </mc:AlternateContent>
-</p:sld>
-</file>
-
-<file path=ppt/slides/slide9.xml><?xml version="1.0" encoding="utf-8"?>
-<p:sld xmlns:a="http://schemas.openxmlformats.org/drawingml/2006/main" xmlns:r="http://schemas.openxmlformats.org/officeDocument/2006/relationships" xmlns:p="http://schemas.openxmlformats.org/presentationml/2006/main">
-  <p:cSld>
-    <p:spTree>
-      <p:nvGrpSpPr>
-        <p:cNvPr id="1" name=""/>
-        <p:cNvGrpSpPr/>
-        <p:nvPr/>
-      </p:nvGrpSpPr>
-      <p:grpSpPr>
-        <a:xfrm>
-          <a:off x="0" y="0"/>
-          <a:ext cx="0" cy="0"/>
-          <a:chOff x="0" y="0"/>
-          <a:chExt cx="0" cy="0"/>
-        </a:xfrm>
-      </p:grpSpPr>
-      <p:sp>
-        <p:nvSpPr>
-          <p:cNvPr id="4" name="Slide Number Placeholder 3"/>
-          <p:cNvSpPr>
-            <a:spLocks noGrp="1"/>
-          </p:cNvSpPr>
-          <p:nvPr>
-            <p:ph type="sldNum" sz="quarter" idx="12"/>
-          </p:nvPr>
-        </p:nvSpPr>
-        <p:spPr/>
-        <p:txBody>
-          <a:bodyPr/>
-          <a:lstStyle/>
-          <a:p>
-            <a:fld id="{EE2556C5-CE8C-6547-B838-EA80C61A4AF7}" type="slidenum">
-              <a:rPr lang="en-US" smtClean="0"/>
-              <a:pPr/>
-              <a:t>9</a:t>
-            </a:fld>
-            <a:endParaRPr lang="en-US" dirty="0"/>
-          </a:p>
-        </p:txBody>
-      </p:sp>
-      <p:sp>
-        <p:nvSpPr>
-          <p:cNvPr id="2" name="Title 1"/>
-          <p:cNvSpPr>
-            <a:spLocks noGrp="1"/>
-          </p:cNvSpPr>
-          <p:nvPr>
-            <p:ph type="title"/>
-          </p:nvPr>
-        </p:nvSpPr>
-        <p:spPr>
-          <a:xfrm>
-            <a:off x="170268" y="133606"/>
-            <a:ext cx="8229600" cy="579756"/>
-          </a:xfrm>
-        </p:spPr>
-        <p:txBody>
-          <a:bodyPr/>
-          <a:lstStyle/>
-          <a:p>
-            <a:r>
-              <a:rPr lang="en-US" sz="3200" i="1" dirty="0"/>
-              <a:t>And …</a:t>
-            </a:r>
-            <a:endParaRPr lang="en-US" sz="3200" dirty="0"/>
-          </a:p>
-        </p:txBody>
-      </p:sp>
-      <p:sp>
-        <p:nvSpPr>
-          <p:cNvPr id="8" name="Content Placeholder 2"/>
-          <p:cNvSpPr>
-            <a:spLocks noGrp="1"/>
-          </p:cNvSpPr>
-          <p:nvPr>
-            <p:ph sz="quarter" idx="13"/>
-          </p:nvPr>
-        </p:nvSpPr>
-        <p:spPr>
-          <a:xfrm>
-            <a:off x="306455" y="719262"/>
-            <a:ext cx="8228012" cy="3852152"/>
-          </a:xfrm>
-        </p:spPr>
-        <p:txBody>
-          <a:bodyPr/>
-          <a:lstStyle/>
-          <a:p>
-            <a:pPr lvl="0" defTabSz="914400" eaLnBrk="0" fontAlgn="base" hangingPunct="0">
-              <a:spcBef>
-                <a:spcPct val="0"/>
-              </a:spcBef>
-              <a:spcAft>
-                <a:spcPct val="0"/>
-              </a:spcAft>
-            </a:pPr>
-            <a:r>
-              <a:rPr lang="en-US" altLang="en-US" dirty="0">
-                <a:solidFill>
-                  <a:schemeClr val="accent1"/>
-                </a:solidFill>
-                <a:latin typeface="+mj-lt"/>
-              </a:rPr>
-              <a:t>Static Variables</a:t>
-            </a:r>
-            <a:br>
-              <a:rPr lang="en-US" altLang="en-US" sz="800" dirty="0">
-                <a:solidFill>
-                  <a:schemeClr val="accent1"/>
-                </a:solidFill>
-                <a:latin typeface="+mj-lt"/>
-              </a:rPr>
-            </a:br>
-            <a:endParaRPr lang="en-US" altLang="en-US" dirty="0">
-              <a:solidFill>
-                <a:schemeClr val="accent1"/>
-              </a:solidFill>
-              <a:latin typeface="+mj-lt"/>
-            </a:endParaRPr>
-          </a:p>
-          <a:p>
-            <a:pPr marL="285750" lvl="0" indent="-285750" defTabSz="914400" eaLnBrk="0" fontAlgn="base" hangingPunct="0">
-              <a:spcBef>
-                <a:spcPct val="0"/>
-              </a:spcBef>
-              <a:spcAft>
-                <a:spcPct val="0"/>
-              </a:spcAft>
-            </a:pPr>
-            <a:r>
-              <a:rPr lang="en-US" altLang="en-US" dirty="0">
-                <a:solidFill>
-                  <a:schemeClr val="accent1"/>
-                </a:solidFill>
-                <a:latin typeface="+mj-lt"/>
-              </a:rPr>
-              <a:t>static local variables</a:t>
-            </a:r>
-            <a:endParaRPr lang="ru-RU" altLang="en-US" dirty="0">
-              <a:solidFill>
-                <a:schemeClr val="accent1"/>
-              </a:solidFill>
-              <a:latin typeface="+mj-lt"/>
-            </a:endParaRPr>
-          </a:p>
-          <a:p>
-            <a:pPr marL="511175" lvl="1" indent="-285750" defTabSz="914400" eaLnBrk="0" fontAlgn="base" hangingPunct="0">
-              <a:spcBef>
-                <a:spcPct val="0"/>
-              </a:spcBef>
-              <a:spcAft>
-                <a:spcPct val="0"/>
-              </a:spcAft>
-            </a:pPr>
-            <a:r>
-              <a:rPr lang="en-US" altLang="en-US" dirty="0"/>
-              <a:t>exist throughout a program  lifetime, even though they are visible only within the same function. </a:t>
-            </a:r>
-            <a:endParaRPr lang="en-US" altLang="en-US" dirty="0">
-              <a:solidFill>
-                <a:schemeClr val="accent1"/>
-              </a:solidFill>
-              <a:latin typeface="+mj-lt"/>
-            </a:endParaRPr>
-          </a:p>
-          <a:p>
-            <a:pPr marL="285750" lvl="0" indent="-285750" defTabSz="914400" eaLnBrk="0" fontAlgn="base" hangingPunct="0">
-              <a:spcBef>
-                <a:spcPct val="0"/>
-              </a:spcBef>
-              <a:spcAft>
-                <a:spcPct val="0"/>
-              </a:spcAft>
-              <a:buFont typeface="Arial" panose="020B0604020202020204" pitchFamily="34" charset="0"/>
-              <a:buChar char="•"/>
-            </a:pPr>
-            <a:r>
-              <a:rPr lang="en-US" altLang="en-US" dirty="0">
-                <a:solidFill>
-                  <a:schemeClr val="accent1"/>
-                </a:solidFill>
-                <a:latin typeface="+mj-lt"/>
-              </a:rPr>
-              <a:t>static global variables</a:t>
-            </a:r>
-            <a:endParaRPr lang="ru-RU" altLang="en-US" dirty="0">
-              <a:solidFill>
-                <a:schemeClr val="accent1"/>
-              </a:solidFill>
-              <a:latin typeface="+mj-lt"/>
-            </a:endParaRPr>
-          </a:p>
-          <a:p>
-            <a:pPr marL="511175" lvl="1" indent="-285750" defTabSz="914400" eaLnBrk="0" fontAlgn="base" hangingPunct="0">
-              <a:spcBef>
-                <a:spcPct val="0"/>
-              </a:spcBef>
-              <a:spcAft>
-                <a:spcPct val="0"/>
-              </a:spcAft>
-            </a:pPr>
-            <a:r>
-              <a:rPr lang="en-US" altLang="en-US" dirty="0"/>
-              <a:t>are global, with the only difference being that they are only available within the same file where they are defined.</a:t>
-            </a:r>
-            <a:br>
-              <a:rPr lang="ru-RU" sz="1400" dirty="0"/>
-            </a:br>
-            <a:endParaRPr lang="ru-RU" sz="1400" dirty="0"/>
-          </a:p>
-        </p:txBody>
-      </p:sp>
-      <p:sp>
-        <p:nvSpPr>
-          <p:cNvPr id="6" name="Rectangle 3"/>
-          <p:cNvSpPr>
-            <a:spLocks noChangeArrowheads="1"/>
-          </p:cNvSpPr>
-          <p:nvPr/>
-        </p:nvSpPr>
-        <p:spPr bwMode="auto">
-          <a:xfrm>
-            <a:off x="0" y="-138499"/>
-            <a:ext cx="163519" cy="276999"/>
-          </a:xfrm>
-          <a:prstGeom prst="rect">
-            <a:avLst/>
-          </a:prstGeom>
-          <a:solidFill>
-            <a:srgbClr val="FFFFFF"/>
-          </a:solidFill>
-          <a:ln>
-            <a:noFill/>
-          </a:ln>
-          <a:effectLst/>
-          <a:extLst>
-            <a:ext uri="{91240B29-F687-4F45-9708-019B960494DF}">
-              <a14:hiddenLine xmlns:a14="http://schemas.microsoft.com/office/drawing/2010/main" w="9525">
-                <a:solidFill>
-                  <a:schemeClr val="tx1"/>
-                </a:solidFill>
-                <a:miter lim="800000"/>
-                <a:headEnd/>
-                <a:tailEnd/>
-              </a14:hiddenLine>
-            </a:ext>
-            <a:ext uri="{AF507438-7753-43E0-B8FC-AC1667EBCBE1}">
-              <a14:hiddenEffects xmlns:a14="http://schemas.microsoft.com/office/drawing/2010/main">
-                <a:effectLst>
-                  <a:outerShdw dist="35921" dir="2700000" algn="ctr" rotWithShape="0">
-                    <a:schemeClr val="bg2"/>
-                  </a:outerShdw>
-                </a:effectLst>
-              </a14:hiddenEffects>
-            </a:ext>
-          </a:extLst>
-        </p:spPr>
-        <p:txBody>
-          <a:bodyPr vert="horz" wrap="none" lIns="161874" tIns="0" rIns="0" bIns="0" numCol="1" anchor="ctr" anchorCtr="0" compatLnSpc="1">
-            <a:prstTxWarp prst="textNoShape">
-              <a:avLst/>
-            </a:prstTxWarp>
-            <a:spAutoFit/>
-          </a:bodyPr>
-          <a:lstStyle/>
-          <a:p>
-            <a:pPr marL="0" marR="0" lvl="0" indent="0" algn="l" defTabSz="914400" rtl="0" eaLnBrk="0" fontAlgn="base" latinLnBrk="0" hangingPunct="0">
-              <a:lnSpc>
-                <a:spcPct val="100000"/>
-              </a:lnSpc>
-              <a:spcBef>
-                <a:spcPct val="0"/>
-              </a:spcBef>
-              <a:spcAft>
-                <a:spcPct val="0"/>
-              </a:spcAft>
-              <a:buClrTx/>
-              <a:buSzTx/>
-              <a:buFontTx/>
-              <a:buNone/>
-              <a:tabLst/>
-            </a:pPr>
-            <a:endParaRPr kumimoji="0" lang="en-US" altLang="en-US" sz="1800" b="0" i="0" u="none" strike="noStrike" cap="none" normalizeH="0" baseline="0" dirty="0">
-              <a:ln>
-                <a:noFill/>
-              </a:ln>
-              <a:solidFill>
-                <a:schemeClr val="tx1"/>
-              </a:solidFill>
-              <a:effectLst/>
-              <a:latin typeface="Arial" panose="020B0604020202020204" pitchFamily="34" charset="0"/>
-            </a:endParaRPr>
-          </a:p>
-        </p:txBody>
-      </p:sp>
-    </p:spTree>
-    <p:extLst>
-      <p:ext uri="{BB962C8B-B14F-4D97-AF65-F5344CB8AC3E}">
-        <p14:creationId xmlns:p14="http://schemas.microsoft.com/office/powerpoint/2010/main" val="708634250"/>
       </p:ext>
     </p:extLst>
   </p:cSld>
